--- a/presentations/Session_6_SC_Config.pptx
+++ b/presentations/Session_6_SC_Config.pptx
@@ -228,7 +228,7 @@
           <a:p>
             <a:fld id="{372E5B6B-8713-8747-AE5B-F1241B2BF5F0}" type="datetimeFigureOut">
               <a:rPr lang="en-US" smtClean="0"/>
-              <a:t>3/3/16</a:t>
+              <a:t>5/17/16</a:t>
             </a:fld>
             <a:endParaRPr lang="en-US"/>
           </a:p>
@@ -394,7 +394,7 @@
           <a:p>
             <a:fld id="{7E7B7340-DDD5-1B49-81AA-25BC4050C073}" type="datetimeFigureOut">
               <a:rPr lang="en-US" smtClean="0"/>
-              <a:t>3/3/16</a:t>
+              <a:t>5/17/16</a:t>
             </a:fld>
             <a:endParaRPr lang="en-US"/>
           </a:p>
@@ -8491,22 +8491,28 @@
       </p:sp>
       <p:pic>
         <p:nvPicPr>
-          <p:cNvPr id="7" name="Picture 6"/>
+          <p:cNvPr id="9" name="Picture 8" descr="att_logo.png"/>
           <p:cNvPicPr>
             <a:picLocks noChangeAspect="1"/>
           </p:cNvPicPr>
           <p:nvPr/>
         </p:nvPicPr>
         <p:blipFill>
-          <a:blip r:embed="rId5"/>
+          <a:blip r:embed="rId5">
+            <a:extLst>
+              <a:ext uri="{28A0092B-C50C-407E-A947-70E740481C1C}">
+                <a14:useLocalDpi xmlns:a14="http://schemas.microsoft.com/office/drawing/2010/main" val="0"/>
+              </a:ext>
+            </a:extLst>
+          </a:blip>
           <a:stretch>
             <a:fillRect/>
           </a:stretch>
         </p:blipFill>
         <p:spPr>
           <a:xfrm>
-            <a:off x="8196204" y="1558"/>
-            <a:ext cx="947796" cy="947796"/>
+            <a:off x="8027486" y="104943"/>
+            <a:ext cx="986117" cy="977900"/>
           </a:xfrm>
           <a:prstGeom prst="rect">
             <a:avLst/>
@@ -10715,14 +10721,7 @@
                 <a:latin typeface="Courier New"/>
                 <a:cs typeface="Courier New"/>
               </a:rPr>
-              <a:t>     </a:t>
-            </a:r>
-            <a:r>
-              <a:rPr lang="en-US" sz="1100" dirty="0">
-                <a:latin typeface="Courier New"/>
-                <a:cs typeface="Courier New"/>
-              </a:rPr>
-              <a:t>return String.format("</a:t>
+              <a:t>     return String.format("</a:t>
             </a:r>
             <a:r>
               <a:rPr lang="en-US" sz="1100" dirty="0">
